--- a/docs/From Manual to Automation.pptx
+++ b/docs/From Manual to Automation.pptx
@@ -3447,7 +3447,7 @@
           <a:p>
             <a:fld id="{872BFC85-49E4-447A-A7E3-16153CB2FE2A}" type="datetimeFigureOut">
               <a:rPr lang="en-US" smtClean="0"/>
-              <a:t>12/27/2023</a:t>
+              <a:t>12/31/2023</a:t>
             </a:fld>
             <a:endParaRPr lang="en-US" dirty="0"/>
           </a:p>
@@ -3624,7 +3624,7 @@
           <a:p>
             <a:fld id="{1071B50E-4C60-4F9E-B773-52059170945B}" type="datetimeFigureOut">
               <a:rPr lang="en-US" noProof="0" smtClean="0"/>
-              <a:t>12/27/2023</a:t>
+              <a:t>12/31/2023</a:t>
             </a:fld>
             <a:endParaRPr lang="en-US" noProof="0" dirty="0"/>
           </a:p>
@@ -4166,6 +4166,18 @@
                 <a:effectLst/>
                 <a:latin typeface="Consolas" panose="020B0609020204030204" pitchFamily="49" charset="0"/>
               </a:rPr>
+              <a:t>Change the screenshot here to show which is class/objects</a:t>
+            </a:r>
+          </a:p>
+          <a:p>
+            <a:r>
+              <a:rPr lang="en-US" b="0" dirty="0">
+                <a:solidFill>
+                  <a:srgbClr val="CE9178"/>
+                </a:solidFill>
+                <a:effectLst/>
+                <a:latin typeface="Consolas" panose="020B0609020204030204" pitchFamily="49" charset="0"/>
+              </a:rPr>
               <a:t>Class (</a:t>
             </a:r>
             <a:r>
@@ -4988,6 +5000,20 @@
           <a:bodyPr/>
           <a:lstStyle/>
           <a:p>
+            <a:r>
+              <a:rPr lang="en-US" dirty="0"/>
+              <a:t>I think remove this? And instead, use google search and DOM as an example to transition to </a:t>
+            </a:r>
+            <a:r>
+              <a:rPr lang="en-US" dirty="0" err="1"/>
+              <a:t>touger</a:t>
+            </a:r>
+            <a:r>
+              <a:rPr lang="en-US"/>
+              <a:t> scripts</a:t>
+            </a:r>
+          </a:p>
+          <a:p>
             <a:endParaRPr lang="en-US" dirty="0"/>
           </a:p>
         </p:txBody>
@@ -5009,7 +5035,7 @@
           <a:p>
             <a:fld id="{79230CFA-805A-4FD3-B3A0-DAAA5993DA17}" type="slidenum">
               <a:rPr lang="en-US" noProof="0" smtClean="0"/>
-              <a:t>19</a:t>
+              <a:t>17</a:t>
             </a:fld>
             <a:endParaRPr lang="en-US" noProof="0" dirty="0"/>
           </a:p>
@@ -5018,7 +5044,7 @@
     </p:spTree>
     <p:extLst>
       <p:ext uri="{BB962C8B-B14F-4D97-AF65-F5344CB8AC3E}">
-        <p14:creationId xmlns:p14="http://schemas.microsoft.com/office/powerpoint/2010/main" val="2120908863"/>
+        <p14:creationId xmlns:p14="http://schemas.microsoft.com/office/powerpoint/2010/main" val="1933302108"/>
       </p:ext>
     </p:extLst>
   </p:cSld>
@@ -5072,7 +5098,10 @@
           <a:bodyPr/>
           <a:lstStyle/>
           <a:p>
-            <a:endParaRPr lang="en-US" dirty="0"/>
+            <a:r>
+              <a:rPr lang="en-US" dirty="0"/>
+              <a:t>Go back to this page later when creating a script.</a:t>
+            </a:r>
           </a:p>
         </p:txBody>
       </p:sp>
@@ -5093,7 +5122,7 @@
           <a:p>
             <a:fld id="{79230CFA-805A-4FD3-B3A0-DAAA5993DA17}" type="slidenum">
               <a:rPr lang="en-US" noProof="0" smtClean="0"/>
-              <a:t>22</a:t>
+              <a:t>18</a:t>
             </a:fld>
             <a:endParaRPr lang="en-US" noProof="0" dirty="0"/>
           </a:p>
@@ -5102,7 +5131,7 @@
     </p:spTree>
     <p:extLst>
       <p:ext uri="{BB962C8B-B14F-4D97-AF65-F5344CB8AC3E}">
-        <p14:creationId xmlns:p14="http://schemas.microsoft.com/office/powerpoint/2010/main" val="1443848181"/>
+        <p14:creationId xmlns:p14="http://schemas.microsoft.com/office/powerpoint/2010/main" val="2549645074"/>
       </p:ext>
     </p:extLst>
   </p:cSld>
@@ -5177,7 +5206,7 @@
           <a:p>
             <a:fld id="{79230CFA-805A-4FD3-B3A0-DAAA5993DA17}" type="slidenum">
               <a:rPr lang="en-US" noProof="0" smtClean="0"/>
-              <a:t>25</a:t>
+              <a:t>19</a:t>
             </a:fld>
             <a:endParaRPr lang="en-US" noProof="0" dirty="0"/>
           </a:p>
@@ -5186,7 +5215,7 @@
     </p:spTree>
     <p:extLst>
       <p:ext uri="{BB962C8B-B14F-4D97-AF65-F5344CB8AC3E}">
-        <p14:creationId xmlns:p14="http://schemas.microsoft.com/office/powerpoint/2010/main" val="954499451"/>
+        <p14:creationId xmlns:p14="http://schemas.microsoft.com/office/powerpoint/2010/main" val="2120908863"/>
       </p:ext>
     </p:extLst>
   </p:cSld>
@@ -5261,7 +5290,7 @@
           <a:p>
             <a:fld id="{79230CFA-805A-4FD3-B3A0-DAAA5993DA17}" type="slidenum">
               <a:rPr lang="en-US" noProof="0" smtClean="0"/>
-              <a:t>26</a:t>
+              <a:t>22</a:t>
             </a:fld>
             <a:endParaRPr lang="en-US" noProof="0" dirty="0"/>
           </a:p>
@@ -5270,7 +5299,7 @@
     </p:spTree>
     <p:extLst>
       <p:ext uri="{BB962C8B-B14F-4D97-AF65-F5344CB8AC3E}">
-        <p14:creationId xmlns:p14="http://schemas.microsoft.com/office/powerpoint/2010/main" val="533675937"/>
+        <p14:creationId xmlns:p14="http://schemas.microsoft.com/office/powerpoint/2010/main" val="1443848181"/>
       </p:ext>
     </p:extLst>
   </p:cSld>
@@ -5324,12 +5353,6 @@
           <a:bodyPr/>
           <a:lstStyle/>
           <a:p>
-            <a:r>
-              <a:rPr lang="en-US" dirty="0">
-                <a:hlinkClick r:id="rId3"/>
-              </a:rPr>
-              <a:t>Continuous Integration Tools - TestingDocs.com</a:t>
-            </a:r>
             <a:endParaRPr lang="en-US" dirty="0"/>
           </a:p>
         </p:txBody>
@@ -5351,7 +5374,7 @@
           <a:p>
             <a:fld id="{79230CFA-805A-4FD3-B3A0-DAAA5993DA17}" type="slidenum">
               <a:rPr lang="en-US" noProof="0" smtClean="0"/>
-              <a:t>28</a:t>
+              <a:t>25</a:t>
             </a:fld>
             <a:endParaRPr lang="en-US" noProof="0" dirty="0"/>
           </a:p>
@@ -5360,7 +5383,7 @@
     </p:spTree>
     <p:extLst>
       <p:ext uri="{BB962C8B-B14F-4D97-AF65-F5344CB8AC3E}">
-        <p14:creationId xmlns:p14="http://schemas.microsoft.com/office/powerpoint/2010/main" val="1934864744"/>
+        <p14:creationId xmlns:p14="http://schemas.microsoft.com/office/powerpoint/2010/main" val="954499451"/>
       </p:ext>
     </p:extLst>
   </p:cSld>
@@ -5414,12 +5437,6 @@
           <a:bodyPr/>
           <a:lstStyle/>
           <a:p>
-            <a:r>
-              <a:rPr lang="en-US" dirty="0">
-                <a:hlinkClick r:id="rId3"/>
-              </a:rPr>
-              <a:t>Continuous Integration Tools - TestingDocs.com</a:t>
-            </a:r>
             <a:endParaRPr lang="en-US" dirty="0"/>
           </a:p>
         </p:txBody>
@@ -5441,7 +5458,7 @@
           <a:p>
             <a:fld id="{79230CFA-805A-4FD3-B3A0-DAAA5993DA17}" type="slidenum">
               <a:rPr lang="en-US" noProof="0" smtClean="0"/>
-              <a:t>29</a:t>
+              <a:t>26</a:t>
             </a:fld>
             <a:endParaRPr lang="en-US" noProof="0" dirty="0"/>
           </a:p>
@@ -5450,7 +5467,7 @@
     </p:spTree>
     <p:extLst>
       <p:ext uri="{BB962C8B-B14F-4D97-AF65-F5344CB8AC3E}">
-        <p14:creationId xmlns:p14="http://schemas.microsoft.com/office/powerpoint/2010/main" val="2563757513"/>
+        <p14:creationId xmlns:p14="http://schemas.microsoft.com/office/powerpoint/2010/main" val="533675937"/>
       </p:ext>
     </p:extLst>
   </p:cSld>
@@ -5504,6 +5521,12 @@
           <a:bodyPr/>
           <a:lstStyle/>
           <a:p>
+            <a:r>
+              <a:rPr lang="en-US" dirty="0">
+                <a:hlinkClick r:id="rId3"/>
+              </a:rPr>
+              <a:t>Continuous Integration Tools - TestingDocs.com</a:t>
+            </a:r>
             <a:endParaRPr lang="en-US" dirty="0"/>
           </a:p>
         </p:txBody>
@@ -5525,7 +5548,7 @@
           <a:p>
             <a:fld id="{79230CFA-805A-4FD3-B3A0-DAAA5993DA17}" type="slidenum">
               <a:rPr lang="en-US" noProof="0" smtClean="0"/>
-              <a:t>30</a:t>
+              <a:t>28</a:t>
             </a:fld>
             <a:endParaRPr lang="en-US" noProof="0" dirty="0"/>
           </a:p>
@@ -5534,7 +5557,7 @@
     </p:spTree>
     <p:extLst>
       <p:ext uri="{BB962C8B-B14F-4D97-AF65-F5344CB8AC3E}">
-        <p14:creationId xmlns:p14="http://schemas.microsoft.com/office/powerpoint/2010/main" val="1761113247"/>
+        <p14:creationId xmlns:p14="http://schemas.microsoft.com/office/powerpoint/2010/main" val="1934864744"/>
       </p:ext>
     </p:extLst>
   </p:cSld>
@@ -5588,6 +5611,32 @@
           <a:bodyPr/>
           <a:lstStyle/>
           <a:p>
+            <a:r>
+              <a:rPr lang="en-US" dirty="0">
+                <a:hlinkClick r:id="rId3"/>
+              </a:rPr>
+              <a:t>Continuous Integration Tools - TestingDocs.com</a:t>
+            </a:r>
+            <a:endParaRPr lang="en-US" dirty="0"/>
+          </a:p>
+          <a:p>
+            <a:endParaRPr lang="en-US" dirty="0"/>
+          </a:p>
+          <a:p>
+            <a:r>
+              <a:rPr lang="en-US" dirty="0"/>
+              <a:t>Instead of ci/</a:t>
+            </a:r>
+            <a:r>
+              <a:rPr lang="en-US" dirty="0" err="1"/>
+              <a:t>ct</a:t>
+            </a:r>
+            <a:r>
+              <a:rPr lang="en-US" dirty="0"/>
+              <a:t> maybe use git commands?</a:t>
+            </a:r>
+          </a:p>
+          <a:p>
             <a:endParaRPr lang="en-US" dirty="0"/>
           </a:p>
         </p:txBody>
@@ -5609,7 +5658,7 @@
           <a:p>
             <a:fld id="{79230CFA-805A-4FD3-B3A0-DAAA5993DA17}" type="slidenum">
               <a:rPr lang="en-US" noProof="0" smtClean="0"/>
-              <a:t>31</a:t>
+              <a:t>29</a:t>
             </a:fld>
             <a:endParaRPr lang="en-US" noProof="0" dirty="0"/>
           </a:p>
@@ -5618,7 +5667,7 @@
     </p:spTree>
     <p:extLst>
       <p:ext uri="{BB962C8B-B14F-4D97-AF65-F5344CB8AC3E}">
-        <p14:creationId xmlns:p14="http://schemas.microsoft.com/office/powerpoint/2010/main" val="3442324177"/>
+        <p14:creationId xmlns:p14="http://schemas.microsoft.com/office/powerpoint/2010/main" val="2563757513"/>
       </p:ext>
     </p:extLst>
   </p:cSld>
@@ -5766,6 +5815,174 @@
           <a:bodyPr/>
           <a:lstStyle/>
           <a:p>
+            <a:endParaRPr lang="en-US" dirty="0"/>
+          </a:p>
+        </p:txBody>
+      </p:sp>
+      <p:sp>
+        <p:nvSpPr>
+          <p:cNvPr id="4" name="Slide Number Placeholder 3"/>
+          <p:cNvSpPr>
+            <a:spLocks noGrp="1"/>
+          </p:cNvSpPr>
+          <p:nvPr>
+            <p:ph type="sldNum" sz="quarter" idx="5"/>
+          </p:nvPr>
+        </p:nvSpPr>
+        <p:spPr/>
+        <p:txBody>
+          <a:bodyPr/>
+          <a:lstStyle/>
+          <a:p>
+            <a:fld id="{79230CFA-805A-4FD3-B3A0-DAAA5993DA17}" type="slidenum">
+              <a:rPr lang="en-US" noProof="0" smtClean="0"/>
+              <a:t>30</a:t>
+            </a:fld>
+            <a:endParaRPr lang="en-US" noProof="0" dirty="0"/>
+          </a:p>
+        </p:txBody>
+      </p:sp>
+    </p:spTree>
+    <p:extLst>
+      <p:ext uri="{BB962C8B-B14F-4D97-AF65-F5344CB8AC3E}">
+        <p14:creationId xmlns:p14="http://schemas.microsoft.com/office/powerpoint/2010/main" val="1761113247"/>
+      </p:ext>
+    </p:extLst>
+  </p:cSld>
+  <p:clrMapOvr>
+    <a:masterClrMapping/>
+  </p:clrMapOvr>
+</p:notes>
+</file>
+
+<file path=ppt/notesSlides/notesSlide21.xml><?xml version="1.0" encoding="utf-8"?>
+<p:notes xmlns:a="http://schemas.openxmlformats.org/drawingml/2006/main" xmlns:r="http://schemas.openxmlformats.org/officeDocument/2006/relationships" xmlns:p="http://schemas.openxmlformats.org/presentationml/2006/main">
+  <p:cSld>
+    <p:spTree>
+      <p:nvGrpSpPr>
+        <p:cNvPr id="1" name=""/>
+        <p:cNvGrpSpPr/>
+        <p:nvPr/>
+      </p:nvGrpSpPr>
+      <p:grpSpPr>
+        <a:xfrm>
+          <a:off x="0" y="0"/>
+          <a:ext cx="0" cy="0"/>
+          <a:chOff x="0" y="0"/>
+          <a:chExt cx="0" cy="0"/>
+        </a:xfrm>
+      </p:grpSpPr>
+      <p:sp>
+        <p:nvSpPr>
+          <p:cNvPr id="2" name="Slide Image Placeholder 1"/>
+          <p:cNvSpPr>
+            <a:spLocks noGrp="1" noRot="1" noChangeAspect="1"/>
+          </p:cNvSpPr>
+          <p:nvPr>
+            <p:ph type="sldImg"/>
+          </p:nvPr>
+        </p:nvSpPr>
+        <p:spPr/>
+      </p:sp>
+      <p:sp>
+        <p:nvSpPr>
+          <p:cNvPr id="3" name="Notes Placeholder 2"/>
+          <p:cNvSpPr>
+            <a:spLocks noGrp="1"/>
+          </p:cNvSpPr>
+          <p:nvPr>
+            <p:ph type="body" idx="1"/>
+          </p:nvPr>
+        </p:nvSpPr>
+        <p:spPr/>
+        <p:txBody>
+          <a:bodyPr/>
+          <a:lstStyle/>
+          <a:p>
+            <a:endParaRPr lang="en-US" dirty="0"/>
+          </a:p>
+        </p:txBody>
+      </p:sp>
+      <p:sp>
+        <p:nvSpPr>
+          <p:cNvPr id="4" name="Slide Number Placeholder 3"/>
+          <p:cNvSpPr>
+            <a:spLocks noGrp="1"/>
+          </p:cNvSpPr>
+          <p:nvPr>
+            <p:ph type="sldNum" sz="quarter" idx="5"/>
+          </p:nvPr>
+        </p:nvSpPr>
+        <p:spPr/>
+        <p:txBody>
+          <a:bodyPr/>
+          <a:lstStyle/>
+          <a:p>
+            <a:fld id="{79230CFA-805A-4FD3-B3A0-DAAA5993DA17}" type="slidenum">
+              <a:rPr lang="en-US" noProof="0" smtClean="0"/>
+              <a:t>31</a:t>
+            </a:fld>
+            <a:endParaRPr lang="en-US" noProof="0" dirty="0"/>
+          </a:p>
+        </p:txBody>
+      </p:sp>
+    </p:spTree>
+    <p:extLst>
+      <p:ext uri="{BB962C8B-B14F-4D97-AF65-F5344CB8AC3E}">
+        <p14:creationId xmlns:p14="http://schemas.microsoft.com/office/powerpoint/2010/main" val="3442324177"/>
+      </p:ext>
+    </p:extLst>
+  </p:cSld>
+  <p:clrMapOvr>
+    <a:masterClrMapping/>
+  </p:clrMapOvr>
+</p:notes>
+</file>
+
+<file path=ppt/notesSlides/notesSlide22.xml><?xml version="1.0" encoding="utf-8"?>
+<p:notes xmlns:a="http://schemas.openxmlformats.org/drawingml/2006/main" xmlns:r="http://schemas.openxmlformats.org/officeDocument/2006/relationships" xmlns:p="http://schemas.openxmlformats.org/presentationml/2006/main">
+  <p:cSld>
+    <p:spTree>
+      <p:nvGrpSpPr>
+        <p:cNvPr id="1" name=""/>
+        <p:cNvGrpSpPr/>
+        <p:nvPr/>
+      </p:nvGrpSpPr>
+      <p:grpSpPr>
+        <a:xfrm>
+          <a:off x="0" y="0"/>
+          <a:ext cx="0" cy="0"/>
+          <a:chOff x="0" y="0"/>
+          <a:chExt cx="0" cy="0"/>
+        </a:xfrm>
+      </p:grpSpPr>
+      <p:sp>
+        <p:nvSpPr>
+          <p:cNvPr id="2" name="Slide Image Placeholder 1"/>
+          <p:cNvSpPr>
+            <a:spLocks noGrp="1" noRot="1" noChangeAspect="1"/>
+          </p:cNvSpPr>
+          <p:nvPr>
+            <p:ph type="sldImg"/>
+          </p:nvPr>
+        </p:nvSpPr>
+        <p:spPr/>
+      </p:sp>
+      <p:sp>
+        <p:nvSpPr>
+          <p:cNvPr id="3" name="Notes Placeholder 2"/>
+          <p:cNvSpPr>
+            <a:spLocks noGrp="1"/>
+          </p:cNvSpPr>
+          <p:nvPr>
+            <p:ph type="body" idx="1"/>
+          </p:nvPr>
+        </p:nvSpPr>
+        <p:spPr/>
+        <p:txBody>
+          <a:bodyPr/>
+          <a:lstStyle/>
+          <a:p>
             <a:r>
               <a:rPr lang="en-US" dirty="0"/>
               <a:t>Testing data pipelines involves ensuring the correctness and reliability of data processing, transformation, and movement within your system. Here are some tools commonly used for testing data pipelines:</a:t>
@@ -7255,7 +7472,10 @@
           <a:bodyPr/>
           <a:lstStyle/>
           <a:p>
-            <a:endParaRPr lang="en-US" dirty="0"/>
+            <a:r>
+              <a:rPr lang="en-US" dirty="0"/>
+              <a:t>Explain each of the benefits</a:t>
+            </a:r>
           </a:p>
         </p:txBody>
       </p:sp>
@@ -23054,7 +23274,7 @@
           <p:nvPr/>
         </p:nvPicPr>
         <p:blipFill>
-          <a:blip r:embed="rId2"/>
+          <a:blip r:embed="rId3"/>
           <a:stretch>
             <a:fillRect/>
           </a:stretch>
